--- a/Applications Proposal.pptx
+++ b/Applications Proposal.pptx
@@ -764,7 +764,7 @@
         </p:nvSpPr>
         <p:spPr>
           <a:xfrm>
-            <a:off x="381300" y="685800"/>
+            <a:off x="381000" y="685800"/>
             <a:ext cx="6096000" cy="3429000"/>
           </a:xfrm>
           <a:custGeom>
@@ -868,7 +868,7 @@
         </p:nvSpPr>
         <p:spPr>
           <a:xfrm>
-            <a:off x="381300" y="685800"/>
+            <a:off x="381000" y="685800"/>
             <a:ext cx="6096000" cy="3429000"/>
           </a:xfrm>
           <a:custGeom>
@@ -4981,12 +4981,8 @@
               <a:buNone/>
             </a:pPr>
             <a:r>
-              <a:rPr lang="en" dirty="0"/>
-              <a:t>Hit Me or Hit T</a:t>
-            </a:r>
-            <a:r>
               <a:rPr lang="en-US" dirty="0"/>
-              <a:t>hem</a:t>
+              <a:t>Hit Me or Hit Them</a:t>
             </a:r>
             <a:endParaRPr dirty="0"/>
           </a:p>
@@ -5404,7 +5400,7 @@
         </p:nvSpPr>
         <p:spPr>
           <a:xfrm>
-            <a:off x="32175" y="7050"/>
+            <a:off x="23399" y="0"/>
             <a:ext cx="2785800" cy="271800"/>
           </a:xfrm>
           <a:prstGeom prst="rect">
@@ -5431,14 +5427,14 @@
               <a:buNone/>
             </a:pPr>
             <a:r>
-              <a:rPr lang="en">
+              <a:rPr lang="en" dirty="0">
                 <a:solidFill>
                   <a:srgbClr val="B7B7B7"/>
                 </a:solidFill>
               </a:rPr>
-              <a:t>UTSA CS 3443 - 00X</a:t>
+              <a:t>UTSA CS 3443 - 003</a:t>
             </a:r>
-            <a:endParaRPr>
+            <a:endParaRPr dirty="0">
               <a:solidFill>
                 <a:srgbClr val="B7B7B7"/>
               </a:solidFill>
@@ -5601,11 +5597,12 @@
               <a:rPr lang="en" b="1" dirty="0"/>
               <a:t>Description</a:t>
             </a:r>
+            <a:endParaRPr b="1" dirty="0"/>
           </a:p>
           <a:p>
             <a:pPr marL="0" lvl="0" indent="0">
               <a:spcBef>
-                <a:spcPts val="0"/>
+                <a:spcPts val="1600"/>
               </a:spcBef>
               <a:spcAft>
                 <a:spcPts val="0"/>
@@ -5618,7 +5615,7 @@
             </a:r>
             <a:r>
               <a:rPr lang="en-US" dirty="0"/>
-              <a:t>The Hit Me or Hit Them application is used for entertainment for single players only. The player has the choice of playing one of two card games, Blackjack or War.</a:t>
+              <a:t>The *insert name* application is used for entertainment for single players only.</a:t>
             </a:r>
             <a:endParaRPr dirty="0"/>
           </a:p>
@@ -5653,15 +5650,20 @@
               <a:t>	</a:t>
             </a:r>
             <a:r>
-              <a:rPr lang="en" sz="1400" dirty="0"/>
-              <a:t>In three sentences max, pitch your application. This should motivate the reason for your app.</a:t>
+              <a:rPr lang="en-US" sz="1400" dirty="0"/>
+              <a:t>During </a:t>
             </a:r>
-            <a:br>
-              <a:rPr lang="en" sz="1400" dirty="0"/>
-            </a:br>
+            <a:r>
+              <a:rPr lang="en-US" sz="1400" dirty="0" err="1"/>
+              <a:t>th</a:t>
+            </a:r>
             <a:r>
               <a:rPr lang="en" sz="1400" dirty="0"/>
-              <a:t>	(Why would someone want to use it? Who would use it? How will it help them?)</a:t>
+              <a:t>e </a:t>
+            </a:r>
+            <a:r>
+              <a:rPr lang="en-US" sz="1400" dirty="0"/>
+              <a:t>COVID-19 outbreak, stay inside and play some cards! Hit Me or Hit Them allows you to play Blackjack AND War with the computer for your entertainment during any isolative apocalyptic scenario. This is a great way to have some fun and practice healthy social distancing! </a:t>
             </a:r>
             <a:endParaRPr b="1" dirty="0"/>
           </a:p>
@@ -5702,14 +5704,14 @@
               <a:buNone/>
             </a:pPr>
             <a:r>
-              <a:rPr lang="en">
+              <a:rPr lang="en" dirty="0">
                 <a:solidFill>
                   <a:srgbClr val="B7B7B7"/>
                 </a:solidFill>
               </a:rPr>
-              <a:t>UTSA CS 3443 - 00X</a:t>
+              <a:t>UTSA CS 3443 - 003</a:t>
             </a:r>
-            <a:endParaRPr>
+            <a:endParaRPr dirty="0">
               <a:solidFill>
                 <a:srgbClr val="B7B7B7"/>
               </a:solidFill>
@@ -5961,14 +5963,14 @@
               <a:buNone/>
             </a:pPr>
             <a:r>
-              <a:rPr lang="en">
+              <a:rPr lang="en" dirty="0">
                 <a:solidFill>
                   <a:srgbClr val="B7B7B7"/>
                 </a:solidFill>
               </a:rPr>
-              <a:t>UTSA CS 3443 - 00X</a:t>
+              <a:t>UTSA CS 3443 - 003</a:t>
             </a:r>
-            <a:endParaRPr>
+            <a:endParaRPr dirty="0">
               <a:solidFill>
                 <a:srgbClr val="B7B7B7"/>
               </a:solidFill>
@@ -6262,14 +6264,14 @@
               <a:buNone/>
             </a:pPr>
             <a:r>
-              <a:rPr lang="en">
+              <a:rPr lang="en" dirty="0">
                 <a:solidFill>
                   <a:srgbClr val="B7B7B7"/>
                 </a:solidFill>
               </a:rPr>
-              <a:t>UTSA CS 3443 - 00X</a:t>
+              <a:t>UTSA CS 3443 - 003</a:t>
             </a:r>
-            <a:endParaRPr>
+            <a:endParaRPr dirty="0">
               <a:solidFill>
                 <a:srgbClr val="B7B7B7"/>
               </a:solidFill>

--- a/Applications Proposal.pptx
+++ b/Applications Proposal.pptx
@@ -5,13 +5,14 @@
     <p:sldMasterId id="2147483659" r:id="rId1"/>
   </p:sldMasterIdLst>
   <p:notesMasterIdLst>
-    <p:notesMasterId r:id="rId6"/>
+    <p:notesMasterId r:id="rId7"/>
   </p:notesMasterIdLst>
   <p:sldIdLst>
     <p:sldId id="256" r:id="rId2"/>
     <p:sldId id="257" r:id="rId3"/>
     <p:sldId id="258" r:id="rId4"/>
     <p:sldId id="259" r:id="rId5"/>
+    <p:sldId id="260" r:id="rId6"/>
   </p:sldIdLst>
   <p:sldSz cx="9144000" cy="5143500" type="screen16x9"/>
   <p:notesSz cx="6858000" cy="9144000"/>
@@ -936,6 +937,115 @@
         </p:txBody>
       </p:sp>
     </p:spTree>
+  </p:cSld>
+  <p:clrMapOvr>
+    <a:masterClrMapping/>
+  </p:clrMapOvr>
+</p:notes>
+</file>
+
+<file path=ppt/notesSlides/notesSlide5.xml><?xml version="1.0" encoding="utf-8"?>
+<p:notes xmlns:a="http://schemas.openxmlformats.org/drawingml/2006/main" xmlns:r="http://schemas.openxmlformats.org/officeDocument/2006/relationships" xmlns:p="http://schemas.openxmlformats.org/presentationml/2006/main" showMasterSp="0" showMasterPhAnim="0">
+  <p:cSld>
+    <p:spTree>
+      <p:nvGrpSpPr>
+        <p:cNvPr id="1" name="Shape 88"/>
+        <p:cNvGrpSpPr/>
+        <p:nvPr/>
+      </p:nvGrpSpPr>
+      <p:grpSpPr>
+        <a:xfrm>
+          <a:off x="0" y="0"/>
+          <a:ext cx="0" cy="0"/>
+          <a:chOff x="0" y="0"/>
+          <a:chExt cx="0" cy="0"/>
+        </a:xfrm>
+      </p:grpSpPr>
+      <p:sp>
+        <p:nvSpPr>
+          <p:cNvPr id="89" name="Shape 89"/>
+          <p:cNvSpPr>
+            <a:spLocks noGrp="1" noRot="1" noChangeAspect="1"/>
+          </p:cNvSpPr>
+          <p:nvPr>
+            <p:ph type="sldImg" idx="2"/>
+          </p:nvPr>
+        </p:nvSpPr>
+        <p:spPr>
+          <a:xfrm>
+            <a:off x="381000" y="685800"/>
+            <a:ext cx="6096000" cy="3429000"/>
+          </a:xfrm>
+          <a:custGeom>
+            <a:avLst/>
+            <a:gdLst/>
+            <a:ahLst/>
+            <a:cxnLst/>
+            <a:rect l="0" t="0" r="0" b="0"/>
+            <a:pathLst>
+              <a:path w="120000" h="120000" extrusionOk="0">
+                <a:moveTo>
+                  <a:pt x="0" y="0"/>
+                </a:moveTo>
+                <a:lnTo>
+                  <a:pt x="120000" y="0"/>
+                </a:lnTo>
+                <a:lnTo>
+                  <a:pt x="120000" y="120000"/>
+                </a:lnTo>
+                <a:lnTo>
+                  <a:pt x="0" y="120000"/>
+                </a:lnTo>
+                <a:close/>
+              </a:path>
+            </a:pathLst>
+          </a:custGeom>
+        </p:spPr>
+      </p:sp>
+      <p:sp>
+        <p:nvSpPr>
+          <p:cNvPr id="90" name="Shape 90"/>
+          <p:cNvSpPr txBox="1">
+            <a:spLocks noGrp="1"/>
+          </p:cNvSpPr>
+          <p:nvPr>
+            <p:ph type="body" idx="1"/>
+          </p:nvPr>
+        </p:nvSpPr>
+        <p:spPr>
+          <a:xfrm>
+            <a:off x="685800" y="4343400"/>
+            <a:ext cx="5486400" cy="4114800"/>
+          </a:xfrm>
+          <a:prstGeom prst="rect">
+            <a:avLst/>
+          </a:prstGeom>
+        </p:spPr>
+        <p:txBody>
+          <a:bodyPr spcFirstLastPara="1" wrap="square" lIns="91425" tIns="91425" rIns="91425" bIns="91425" anchor="t" anchorCtr="0">
+            <a:noAutofit/>
+          </a:bodyPr>
+          <a:lstStyle/>
+          <a:p>
+            <a:pPr marL="0" lvl="0" indent="0" rtl="0">
+              <a:spcBef>
+                <a:spcPts val="0"/>
+              </a:spcBef>
+              <a:spcAft>
+                <a:spcPts val="0"/>
+              </a:spcAft>
+              <a:buNone/>
+            </a:pPr>
+            <a:endParaRPr/>
+          </a:p>
+        </p:txBody>
+      </p:sp>
+    </p:spTree>
+    <p:extLst>
+      <p:ext uri="{BB962C8B-B14F-4D97-AF65-F5344CB8AC3E}">
+        <p14:creationId xmlns:p14="http://schemas.microsoft.com/office/powerpoint/2010/main" val="805943878"/>
+      </p:ext>
+    </p:extLst>
   </p:cSld>
   <p:clrMapOvr>
     <a:masterClrMapping/>
@@ -4981,8 +5091,12 @@
               <a:buNone/>
             </a:pPr>
             <a:r>
+              <a:rPr lang="en" dirty="0"/>
+              <a:t>Hit Me or Hit T</a:t>
+            </a:r>
+            <a:r>
               <a:rPr lang="en-US" dirty="0"/>
-              <a:t>Hit Me or Hit Them</a:t>
+              <a:t>hem</a:t>
             </a:r>
             <a:endParaRPr dirty="0"/>
           </a:p>
@@ -5400,7 +5514,7 @@
         </p:nvSpPr>
         <p:spPr>
           <a:xfrm>
-            <a:off x="23399" y="0"/>
+            <a:off x="32175" y="7050"/>
             <a:ext cx="2785800" cy="271800"/>
           </a:xfrm>
           <a:prstGeom prst="rect">
@@ -5552,10 +5666,10 @@
               <a:buNone/>
             </a:pPr>
             <a:r>
-              <a:rPr lang="en"/>
-              <a:t>Project Title</a:t>
+              <a:rPr lang="en-US"/>
+              <a:t>Hit Me or Hit Them</a:t>
             </a:r>
-            <a:endParaRPr/>
+            <a:endParaRPr dirty="0"/>
           </a:p>
         </p:txBody>
       </p:sp>
@@ -5597,12 +5711,11 @@
               <a:rPr lang="en" b="1" dirty="0"/>
               <a:t>Description</a:t>
             </a:r>
-            <a:endParaRPr b="1" dirty="0"/>
           </a:p>
           <a:p>
             <a:pPr marL="0" lvl="0" indent="0">
               <a:spcBef>
-                <a:spcPts val="1600"/>
+                <a:spcPts val="0"/>
               </a:spcBef>
               <a:spcAft>
                 <a:spcPts val="0"/>
@@ -5615,7 +5728,7 @@
             </a:r>
             <a:r>
               <a:rPr lang="en-US" dirty="0"/>
-              <a:t>The *insert name* application is used for entertainment for single players only.</a:t>
+              <a:t>The Hit Me or Hit Them application is used for entertainment for single players only. The player has the choice of playing one of two card games, Blackjack or War.</a:t>
             </a:r>
             <a:endParaRPr dirty="0"/>
           </a:p>
@@ -5636,7 +5749,7 @@
             <a:endParaRPr b="1" dirty="0"/>
           </a:p>
           <a:p>
-            <a:pPr marL="0" lvl="0" indent="0" rtl="0">
+            <a:pPr marL="0" lvl="0" indent="0">
               <a:spcBef>
                 <a:spcPts val="1600"/>
               </a:spcBef>
@@ -5651,7 +5764,7 @@
             </a:r>
             <a:r>
               <a:rPr lang="en-US" sz="1400" dirty="0"/>
-              <a:t>During </a:t>
+              <a:t> During </a:t>
             </a:r>
             <a:r>
               <a:rPr lang="en-US" sz="1400" dirty="0" err="1"/>
@@ -5754,14 +5867,30 @@
               <a:buNone/>
             </a:pPr>
             <a:r>
-              <a:rPr lang="en">
+              <a:rPr lang="en-US" dirty="0">
                 <a:solidFill>
                   <a:srgbClr val="B7B7B7"/>
                 </a:solidFill>
               </a:rPr>
-              <a:t>Team Name - Project Name</a:t>
+              <a:t>MTM</a:t>
             </a:r>
-            <a:endParaRPr>
+            <a:r>
+              <a:rPr lang="en" dirty="0">
+                <a:solidFill>
+                  <a:srgbClr val="B7B7B7"/>
+                </a:solidFill>
+              </a:rPr>
+              <a:t>- </a:t>
+            </a:r>
+            <a:r>
+              <a:rPr lang="en-US" dirty="0">
+                <a:solidFill>
+                  <a:srgbClr val="B7B7B7"/>
+                </a:solidFill>
+              </a:rPr>
+              <a:t>Hit Me or Hit Them</a:t>
+            </a:r>
+            <a:endParaRPr dirty="0">
               <a:solidFill>
                 <a:srgbClr val="B7B7B7"/>
               </a:solidFill>
@@ -5871,10 +6000,10 @@
               <a:buNone/>
             </a:pPr>
             <a:r>
-              <a:rPr lang="en" sz="1200"/>
-              <a:t>Delete this text box and use this slide to visually show what the 1st two screens of your application might look like.</a:t>
+              <a:rPr lang="en-US" sz="1200" dirty="0"/>
+              <a:t>Main Menu GUI</a:t>
             </a:r>
-            <a:endParaRPr sz="1200"/>
+            <a:endParaRPr sz="1200" dirty="0"/>
           </a:p>
         </p:txBody>
       </p:sp>
@@ -5913,14 +6042,14 @@
               <a:buNone/>
             </a:pPr>
             <a:r>
-              <a:rPr lang="en">
+              <a:rPr lang="en-US" dirty="0">
                 <a:solidFill>
                   <a:srgbClr val="B7B7B7"/>
                 </a:solidFill>
               </a:rPr>
-              <a:t>Team Name - Project Name</a:t>
+              <a:t>MTM – Hit Me or Hit Them</a:t>
             </a:r>
-            <a:endParaRPr>
+            <a:endParaRPr dirty="0">
               <a:solidFill>
                 <a:srgbClr val="B7B7B7"/>
               </a:solidFill>
@@ -5978,98 +6107,36 @@
           </a:p>
         </p:txBody>
       </p:sp>
-      <p:sp>
-        <p:nvSpPr>
-          <p:cNvPr id="86" name="Shape 86"/>
-          <p:cNvSpPr/>
+      <p:pic>
+        <p:nvPicPr>
+          <p:cNvPr id="3" name="Picture 2" descr="A screenshot of a cell phone&#10;&#10;Description automatically generated">
+            <a:extLst>
+              <a:ext uri="{FF2B5EF4-FFF2-40B4-BE49-F238E27FC236}">
+                <a16:creationId xmlns:a16="http://schemas.microsoft.com/office/drawing/2014/main" id="{0512F246-BEC5-4780-B835-17D76DE7351A}"/>
+              </a:ext>
+            </a:extLst>
+          </p:cNvPr>
+          <p:cNvPicPr>
+            <a:picLocks noChangeAspect="1"/>
+          </p:cNvPicPr>
           <p:nvPr/>
-        </p:nvSpPr>
-        <p:spPr>
-          <a:xfrm>
-            <a:off x="263563" y="1658500"/>
-            <a:ext cx="4222500" cy="3152100"/>
-          </a:xfrm>
-          <a:prstGeom prst="rect">
-            <a:avLst/>
-          </a:prstGeom>
-          <a:solidFill>
-            <a:schemeClr val="lt2"/>
-          </a:solidFill>
-          <a:ln w="9525" cap="flat" cmpd="sng">
-            <a:solidFill>
-              <a:schemeClr val="dk2"/>
-            </a:solidFill>
-            <a:prstDash val="solid"/>
-            <a:round/>
-            <a:headEnd type="none" w="med" len="med"/>
-            <a:tailEnd type="none" w="med" len="med"/>
-          </a:ln>
-        </p:spPr>
-        <p:txBody>
-          <a:bodyPr spcFirstLastPara="1" wrap="square" lIns="91425" tIns="91425" rIns="91425" bIns="91425" anchor="ctr" anchorCtr="0">
-            <a:noAutofit/>
-          </a:bodyPr>
-          <a:lstStyle/>
-          <a:p>
-            <a:pPr marL="0" lvl="0" indent="0">
-              <a:spcBef>
-                <a:spcPts val="0"/>
-              </a:spcBef>
-              <a:spcAft>
-                <a:spcPts val="0"/>
-              </a:spcAft>
-              <a:buNone/>
-            </a:pPr>
-            <a:endParaRPr/>
-          </a:p>
-        </p:txBody>
-      </p:sp>
-      <p:sp>
-        <p:nvSpPr>
-          <p:cNvPr id="87" name="Shape 87"/>
-          <p:cNvSpPr/>
-          <p:nvPr/>
-        </p:nvSpPr>
-        <p:spPr>
-          <a:xfrm>
-            <a:off x="4657938" y="1666863"/>
-            <a:ext cx="4222500" cy="3152100"/>
-          </a:xfrm>
-          <a:prstGeom prst="rect">
-            <a:avLst/>
-          </a:prstGeom>
-          <a:solidFill>
-            <a:schemeClr val="lt2"/>
-          </a:solidFill>
-          <a:ln w="9525" cap="flat" cmpd="sng">
-            <a:solidFill>
-              <a:schemeClr val="dk2"/>
-            </a:solidFill>
-            <a:prstDash val="solid"/>
-            <a:round/>
-            <a:headEnd type="none" w="med" len="med"/>
-            <a:tailEnd type="none" w="med" len="med"/>
-          </a:ln>
-        </p:spPr>
-        <p:txBody>
-          <a:bodyPr spcFirstLastPara="1" wrap="square" lIns="91425" tIns="91425" rIns="91425" bIns="91425" anchor="ctr" anchorCtr="0">
-            <a:noAutofit/>
-          </a:bodyPr>
-          <a:lstStyle/>
-          <a:p>
-            <a:pPr marL="0" lvl="0" indent="0">
-              <a:spcBef>
-                <a:spcPts val="0"/>
-              </a:spcBef>
-              <a:spcAft>
-                <a:spcPts val="0"/>
-              </a:spcAft>
-              <a:buNone/>
-            </a:pPr>
-            <a:endParaRPr/>
-          </a:p>
-        </p:txBody>
-      </p:sp>
+        </p:nvPicPr>
+        <p:blipFill>
+          <a:blip r:embed="rId3"/>
+          <a:stretch>
+            <a:fillRect/>
+          </a:stretch>
+        </p:blipFill>
+        <p:spPr>
+          <a:xfrm>
+            <a:off x="1745004" y="1537250"/>
+            <a:ext cx="5653993" cy="3402975"/>
+          </a:xfrm>
+          <a:prstGeom prst="rect">
+            <a:avLst/>
+          </a:prstGeom>
+        </p:spPr>
+      </p:pic>
     </p:spTree>
   </p:cSld>
   <p:clrMapOvr>
@@ -6172,10 +6239,10 @@
               <a:buNone/>
             </a:pPr>
             <a:r>
-              <a:rPr lang="en" sz="1200"/>
-              <a:t>Delete this text box and use this slide to visually show what the 3rd &amp; 4th screens of your application might look like.</a:t>
+              <a:rPr lang="en-US" sz="1200" dirty="0"/>
+              <a:t>Blackjack GUI</a:t>
             </a:r>
-            <a:endParaRPr sz="1200"/>
+            <a:endParaRPr sz="1200" dirty="0"/>
           </a:p>
         </p:txBody>
       </p:sp>
@@ -6214,14 +6281,14 @@
               <a:buNone/>
             </a:pPr>
             <a:r>
-              <a:rPr lang="en">
+              <a:rPr lang="en-US" dirty="0">
                 <a:solidFill>
                   <a:srgbClr val="B7B7B7"/>
                 </a:solidFill>
               </a:rPr>
-              <a:t>Team Name - Project Name</a:t>
+              <a:t>MTM – Hit Me or Hit Them</a:t>
             </a:r>
-            <a:endParaRPr>
+            <a:endParaRPr dirty="0">
               <a:solidFill>
                 <a:srgbClr val="B7B7B7"/>
               </a:solidFill>
@@ -6279,40 +6346,117 @@
           </a:p>
         </p:txBody>
       </p:sp>
+      <p:pic>
+        <p:nvPicPr>
+          <p:cNvPr id="3" name="Picture 2" descr="A screenshot of a cell phone&#10;&#10;Description automatically generated">
+            <a:extLst>
+              <a:ext uri="{FF2B5EF4-FFF2-40B4-BE49-F238E27FC236}">
+                <a16:creationId xmlns:a16="http://schemas.microsoft.com/office/drawing/2014/main" id="{ED00EBC9-7781-4ABE-93BD-1708EFC92EE4}"/>
+              </a:ext>
+            </a:extLst>
+          </p:cNvPr>
+          <p:cNvPicPr>
+            <a:picLocks noChangeAspect="1"/>
+          </p:cNvPicPr>
+          <p:nvPr/>
+        </p:nvPicPr>
+        <p:blipFill>
+          <a:blip r:embed="rId3"/>
+          <a:stretch>
+            <a:fillRect/>
+          </a:stretch>
+        </p:blipFill>
+        <p:spPr>
+          <a:xfrm>
+            <a:off x="92868" y="1939059"/>
+            <a:ext cx="4318793" cy="2599357"/>
+          </a:xfrm>
+          <a:prstGeom prst="rect">
+            <a:avLst/>
+          </a:prstGeom>
+        </p:spPr>
+      </p:pic>
+      <p:pic>
+        <p:nvPicPr>
+          <p:cNvPr id="5" name="Picture 4" descr="A screenshot of a cell phone&#10;&#10;Description automatically generated">
+            <a:extLst>
+              <a:ext uri="{FF2B5EF4-FFF2-40B4-BE49-F238E27FC236}">
+                <a16:creationId xmlns:a16="http://schemas.microsoft.com/office/drawing/2014/main" id="{EB03DD63-CE13-47C0-8910-1FD4AF668AC9}"/>
+              </a:ext>
+            </a:extLst>
+          </p:cNvPr>
+          <p:cNvPicPr>
+            <a:picLocks noChangeAspect="1"/>
+          </p:cNvPicPr>
+          <p:nvPr/>
+        </p:nvPicPr>
+        <p:blipFill>
+          <a:blip r:embed="rId4"/>
+          <a:stretch>
+            <a:fillRect/>
+          </a:stretch>
+        </p:blipFill>
+        <p:spPr>
+          <a:xfrm>
+            <a:off x="4732336" y="1939058"/>
+            <a:ext cx="4318796" cy="2599358"/>
+          </a:xfrm>
+          <a:prstGeom prst="rect">
+            <a:avLst/>
+          </a:prstGeom>
+        </p:spPr>
+      </p:pic>
+    </p:spTree>
+  </p:cSld>
+  <p:clrMapOvr>
+    <a:masterClrMapping/>
+  </p:clrMapOvr>
+</p:sld>
+</file>
+
+<file path=ppt/slides/slide5.xml><?xml version="1.0" encoding="utf-8"?>
+<p:sld xmlns:a="http://schemas.openxmlformats.org/drawingml/2006/main" xmlns:r="http://schemas.openxmlformats.org/officeDocument/2006/relationships" xmlns:p="http://schemas.openxmlformats.org/presentationml/2006/main">
+  <p:cSld>
+    <p:spTree>
+      <p:nvGrpSpPr>
+        <p:cNvPr id="1" name="Shape 91"/>
+        <p:cNvGrpSpPr/>
+        <p:nvPr/>
+      </p:nvGrpSpPr>
+      <p:grpSpPr>
+        <a:xfrm>
+          <a:off x="0" y="0"/>
+          <a:ext cx="0" cy="0"/>
+          <a:chOff x="0" y="0"/>
+          <a:chExt cx="0" cy="0"/>
+        </a:xfrm>
+      </p:grpSpPr>
       <p:sp>
         <p:nvSpPr>
-          <p:cNvPr id="96" name="Shape 96"/>
-          <p:cNvSpPr/>
-          <p:nvPr/>
+          <p:cNvPr id="92" name="Shape 92"/>
+          <p:cNvSpPr txBox="1">
+            <a:spLocks noGrp="1"/>
+          </p:cNvSpPr>
+          <p:nvPr>
+            <p:ph type="title"/>
+          </p:nvPr>
         </p:nvSpPr>
         <p:spPr>
           <a:xfrm>
-            <a:off x="263563" y="1658500"/>
-            <a:ext cx="4222500" cy="3152100"/>
-          </a:xfrm>
-          <a:prstGeom prst="rect">
-            <a:avLst/>
-          </a:prstGeom>
-          <a:solidFill>
-            <a:schemeClr val="lt2"/>
-          </a:solidFill>
-          <a:ln w="9525" cap="flat" cmpd="sng">
-            <a:solidFill>
-              <a:schemeClr val="dk2"/>
-            </a:solidFill>
-            <a:prstDash val="solid"/>
-            <a:round/>
-            <a:headEnd type="none" w="med" len="med"/>
-            <a:tailEnd type="none" w="med" len="med"/>
-          </a:ln>
+            <a:off x="311700" y="445025"/>
+            <a:ext cx="8520600" cy="572700"/>
+          </a:xfrm>
+          <a:prstGeom prst="rect">
+            <a:avLst/>
+          </a:prstGeom>
         </p:spPr>
         <p:txBody>
-          <a:bodyPr spcFirstLastPara="1" wrap="square" lIns="91425" tIns="91425" rIns="91425" bIns="91425" anchor="ctr" anchorCtr="0">
+          <a:bodyPr spcFirstLastPara="1" wrap="square" lIns="91425" tIns="91425" rIns="91425" bIns="91425" anchor="t" anchorCtr="0">
             <a:noAutofit/>
           </a:bodyPr>
           <a:lstStyle/>
           <a:p>
-            <a:pPr marL="0" lvl="0" indent="0">
+            <a:pPr marL="0" lvl="0" indent="0" rtl="0">
               <a:spcBef>
                 <a:spcPts val="0"/>
               </a:spcBef>
@@ -6321,57 +6465,222 @@
               </a:spcAft>
               <a:buNone/>
             </a:pPr>
+            <a:r>
+              <a:rPr lang="en"/>
+              <a:t>User Interface Design</a:t>
+            </a:r>
             <a:endParaRPr/>
           </a:p>
         </p:txBody>
       </p:sp>
       <p:sp>
         <p:nvSpPr>
-          <p:cNvPr id="97" name="Shape 97"/>
-          <p:cNvSpPr/>
-          <p:nvPr/>
+          <p:cNvPr id="93" name="Shape 93"/>
+          <p:cNvSpPr txBox="1">
+            <a:spLocks noGrp="1"/>
+          </p:cNvSpPr>
+          <p:nvPr>
+            <p:ph type="body" idx="1"/>
+          </p:nvPr>
         </p:nvSpPr>
         <p:spPr>
           <a:xfrm>
-            <a:off x="4657938" y="1666863"/>
-            <a:ext cx="4222500" cy="3152100"/>
-          </a:xfrm>
-          <a:prstGeom prst="rect">
-            <a:avLst/>
-          </a:prstGeom>
-          <a:solidFill>
-            <a:schemeClr val="lt2"/>
-          </a:solidFill>
-          <a:ln w="9525" cap="flat" cmpd="sng">
-            <a:solidFill>
-              <a:schemeClr val="dk2"/>
-            </a:solidFill>
-            <a:prstDash val="solid"/>
-            <a:round/>
-            <a:headEnd type="none" w="med" len="med"/>
-            <a:tailEnd type="none" w="med" len="med"/>
-          </a:ln>
+            <a:off x="311700" y="1152475"/>
+            <a:ext cx="8520600" cy="453300"/>
+          </a:xfrm>
+          <a:prstGeom prst="rect">
+            <a:avLst/>
+          </a:prstGeom>
         </p:spPr>
         <p:txBody>
-          <a:bodyPr spcFirstLastPara="1" wrap="square" lIns="91425" tIns="91425" rIns="91425" bIns="91425" anchor="ctr" anchorCtr="0">
+          <a:bodyPr spcFirstLastPara="1" wrap="square" lIns="91425" tIns="91425" rIns="91425" bIns="91425" anchor="t" anchorCtr="0">
             <a:noAutofit/>
           </a:bodyPr>
           <a:lstStyle/>
           <a:p>
-            <a:pPr marL="0" lvl="0" indent="0">
-              <a:spcBef>
-                <a:spcPts val="0"/>
-              </a:spcBef>
-              <a:spcAft>
-                <a:spcPts val="0"/>
+            <a:pPr marL="0" lvl="0" indent="0" rtl="0">
+              <a:spcBef>
+                <a:spcPts val="0"/>
+              </a:spcBef>
+              <a:spcAft>
+                <a:spcPts val="1600"/>
               </a:spcAft>
               <a:buNone/>
             </a:pPr>
-            <a:endParaRPr/>
+            <a:r>
+              <a:rPr lang="en-US" sz="1200" dirty="0"/>
+              <a:t>War GUI</a:t>
+            </a:r>
+            <a:endParaRPr sz="1200" dirty="0"/>
           </a:p>
         </p:txBody>
       </p:sp>
+      <p:sp>
+        <p:nvSpPr>
+          <p:cNvPr id="94" name="Shape 94"/>
+          <p:cNvSpPr txBox="1"/>
+          <p:nvPr/>
+        </p:nvSpPr>
+        <p:spPr>
+          <a:xfrm>
+            <a:off x="6358200" y="4871700"/>
+            <a:ext cx="2785800" cy="271800"/>
+          </a:xfrm>
+          <a:prstGeom prst="rect">
+            <a:avLst/>
+          </a:prstGeom>
+          <a:noFill/>
+          <a:ln>
+            <a:noFill/>
+          </a:ln>
+        </p:spPr>
+        <p:txBody>
+          <a:bodyPr spcFirstLastPara="1" wrap="square" lIns="91425" tIns="91425" rIns="91425" bIns="91425" anchor="t" anchorCtr="0">
+            <a:noAutofit/>
+          </a:bodyPr>
+          <a:lstStyle/>
+          <a:p>
+            <a:pPr marL="0" lvl="0" indent="0" algn="r" rtl="0">
+              <a:spcBef>
+                <a:spcPts val="0"/>
+              </a:spcBef>
+              <a:spcAft>
+                <a:spcPts val="0"/>
+              </a:spcAft>
+              <a:buNone/>
+            </a:pPr>
+            <a:r>
+              <a:rPr lang="en-US" dirty="0">
+                <a:solidFill>
+                  <a:srgbClr val="B7B7B7"/>
+                </a:solidFill>
+              </a:rPr>
+              <a:t>MTM – Hit Me or Hit Them</a:t>
+            </a:r>
+            <a:endParaRPr dirty="0">
+              <a:solidFill>
+                <a:srgbClr val="B7B7B7"/>
+              </a:solidFill>
+            </a:endParaRPr>
+          </a:p>
+        </p:txBody>
+      </p:sp>
+      <p:sp>
+        <p:nvSpPr>
+          <p:cNvPr id="95" name="Shape 95"/>
+          <p:cNvSpPr txBox="1"/>
+          <p:nvPr/>
+        </p:nvSpPr>
+        <p:spPr>
+          <a:xfrm>
+            <a:off x="0" y="4871700"/>
+            <a:ext cx="2785800" cy="271800"/>
+          </a:xfrm>
+          <a:prstGeom prst="rect">
+            <a:avLst/>
+          </a:prstGeom>
+          <a:noFill/>
+          <a:ln>
+            <a:noFill/>
+          </a:ln>
+        </p:spPr>
+        <p:txBody>
+          <a:bodyPr spcFirstLastPara="1" wrap="square" lIns="91425" tIns="91425" rIns="91425" bIns="91425" anchor="t" anchorCtr="0">
+            <a:noAutofit/>
+          </a:bodyPr>
+          <a:lstStyle/>
+          <a:p>
+            <a:pPr marL="0" lvl="0" indent="0" rtl="0">
+              <a:spcBef>
+                <a:spcPts val="0"/>
+              </a:spcBef>
+              <a:spcAft>
+                <a:spcPts val="0"/>
+              </a:spcAft>
+              <a:buNone/>
+            </a:pPr>
+            <a:r>
+              <a:rPr lang="en" dirty="0">
+                <a:solidFill>
+                  <a:srgbClr val="B7B7B7"/>
+                </a:solidFill>
+              </a:rPr>
+              <a:t>UTSA CS 3443 - 003</a:t>
+            </a:r>
+            <a:endParaRPr dirty="0">
+              <a:solidFill>
+                <a:srgbClr val="B7B7B7"/>
+              </a:solidFill>
+            </a:endParaRPr>
+          </a:p>
+        </p:txBody>
+      </p:sp>
+      <p:pic>
+        <p:nvPicPr>
+          <p:cNvPr id="4" name="Picture 3" descr="A screenshot of a cell phone&#10;&#10;Description automatically generated">
+            <a:extLst>
+              <a:ext uri="{FF2B5EF4-FFF2-40B4-BE49-F238E27FC236}">
+                <a16:creationId xmlns:a16="http://schemas.microsoft.com/office/drawing/2014/main" id="{C93F3D5E-FB8B-4007-8B37-2B6CDFCBCF04}"/>
+              </a:ext>
+            </a:extLst>
+          </p:cNvPr>
+          <p:cNvPicPr>
+            <a:picLocks noChangeAspect="1"/>
+          </p:cNvPicPr>
+          <p:nvPr/>
+        </p:nvPicPr>
+        <p:blipFill>
+          <a:blip r:embed="rId3"/>
+          <a:stretch>
+            <a:fillRect/>
+          </a:stretch>
+        </p:blipFill>
+        <p:spPr>
+          <a:xfrm>
+            <a:off x="92870" y="1939058"/>
+            <a:ext cx="4318795" cy="2599358"/>
+          </a:xfrm>
+          <a:prstGeom prst="rect">
+            <a:avLst/>
+          </a:prstGeom>
+        </p:spPr>
+      </p:pic>
+      <p:pic>
+        <p:nvPicPr>
+          <p:cNvPr id="7" name="Picture 6" descr="A screenshot of a cell phone&#10;&#10;Description automatically generated">
+            <a:extLst>
+              <a:ext uri="{FF2B5EF4-FFF2-40B4-BE49-F238E27FC236}">
+                <a16:creationId xmlns:a16="http://schemas.microsoft.com/office/drawing/2014/main" id="{C0FC98AF-49A4-4005-9472-EEA6BC73DAB7}"/>
+              </a:ext>
+            </a:extLst>
+          </p:cNvPr>
+          <p:cNvPicPr>
+            <a:picLocks noChangeAspect="1"/>
+          </p:cNvPicPr>
+          <p:nvPr/>
+        </p:nvPicPr>
+        <p:blipFill>
+          <a:blip r:embed="rId4"/>
+          <a:stretch>
+            <a:fillRect/>
+          </a:stretch>
+        </p:blipFill>
+        <p:spPr>
+          <a:xfrm>
+            <a:off x="4732335" y="1939058"/>
+            <a:ext cx="4318795" cy="2599358"/>
+          </a:xfrm>
+          <a:prstGeom prst="rect">
+            <a:avLst/>
+          </a:prstGeom>
+        </p:spPr>
+      </p:pic>
     </p:spTree>
+    <p:extLst>
+      <p:ext uri="{BB962C8B-B14F-4D97-AF65-F5344CB8AC3E}">
+        <p14:creationId xmlns:p14="http://schemas.microsoft.com/office/powerpoint/2010/main" val="1156530784"/>
+      </p:ext>
+    </p:extLst>
   </p:cSld>
   <p:clrMapOvr>
     <a:masterClrMapping/>

--- a/Applications Proposal.pptx
+++ b/Applications Proposal.pptx
@@ -5728,7 +5728,7 @@
             </a:r>
             <a:r>
               <a:rPr lang="en-US" dirty="0"/>
-              <a:t>The Hit Me or Hit Them application is used for entertainment for single players only. The player has the choice of playing one of two card games, Blackjack or War.</a:t>
+              <a:t>The Hit Me or Hit Them application is used for entertainment for single players only. The player has the choice of playing one of two card games, Slapjack or War.</a:t>
             </a:r>
             <a:endParaRPr dirty="0"/>
           </a:p>
@@ -5776,7 +5776,7 @@
             </a:r>
             <a:r>
               <a:rPr lang="en-US" sz="1400" dirty="0"/>
-              <a:t>COVID-19 outbreak, stay inside and play some cards! Hit Me or Hit Them allows you to play Blackjack AND War with the computer for your entertainment during any isolative apocalyptic scenario. This is a great way to have some fun and practice healthy social distancing! </a:t>
+              <a:t>COVID-19 outbreak, stay inside and play some cards! Hit Me or Hit Them allows you to play Slapjack AND War with the computer for your entertainment during any isolative apocalyptic scenario. This is a great way to have some fun and practice healthy social distancing! </a:t>
             </a:r>
             <a:endParaRPr b="1" dirty="0"/>
           </a:p>
@@ -6109,10 +6109,10 @@
       </p:sp>
       <p:pic>
         <p:nvPicPr>
-          <p:cNvPr id="3" name="Picture 2" descr="A screenshot of a cell phone&#10;&#10;Description automatically generated">
+          <p:cNvPr id="2" name="Picture 1">
             <a:extLst>
               <a:ext uri="{FF2B5EF4-FFF2-40B4-BE49-F238E27FC236}">
-                <a16:creationId xmlns:a16="http://schemas.microsoft.com/office/drawing/2014/main" id="{0512F246-BEC5-4780-B835-17D76DE7351A}"/>
+                <a16:creationId xmlns:a16="http://schemas.microsoft.com/office/drawing/2014/main" id="{D8D6BB6F-BC70-43AB-87D5-10974237D473}"/>
               </a:ext>
             </a:extLst>
           </p:cNvPr>
@@ -6129,8 +6129,8 @@
         </p:blipFill>
         <p:spPr>
           <a:xfrm>
-            <a:off x="1745004" y="1537250"/>
-            <a:ext cx="5653993" cy="3402975"/>
+            <a:off x="1797678" y="1379125"/>
+            <a:ext cx="6200775" cy="3400425"/>
           </a:xfrm>
           <a:prstGeom prst="rect">
             <a:avLst/>
@@ -6240,7 +6240,7 @@
             </a:pPr>
             <a:r>
               <a:rPr lang="en-US" sz="1200" dirty="0"/>
-              <a:t>Blackjack GUI</a:t>
+              <a:t>Slapjack GUI</a:t>
             </a:r>
             <a:endParaRPr sz="1200" dirty="0"/>
           </a:p>
@@ -6348,10 +6348,10 @@
       </p:sp>
       <p:pic>
         <p:nvPicPr>
-          <p:cNvPr id="3" name="Picture 2" descr="A screenshot of a cell phone&#10;&#10;Description automatically generated">
+          <p:cNvPr id="4" name="Picture 3" descr="A screenshot of a cell phone&#10;&#10;Description automatically generated">
             <a:extLst>
               <a:ext uri="{FF2B5EF4-FFF2-40B4-BE49-F238E27FC236}">
-                <a16:creationId xmlns:a16="http://schemas.microsoft.com/office/drawing/2014/main" id="{ED00EBC9-7781-4ABE-93BD-1708EFC92EE4}"/>
+                <a16:creationId xmlns:a16="http://schemas.microsoft.com/office/drawing/2014/main" id="{EBFDA3A1-C9F6-475C-AA9E-5E93005E2DF4}"/>
               </a:ext>
             </a:extLst>
           </p:cNvPr>
@@ -6368,8 +6368,8 @@
         </p:blipFill>
         <p:spPr>
           <a:xfrm>
-            <a:off x="92868" y="1939059"/>
-            <a:ext cx="4318793" cy="2599357"/>
+            <a:off x="233729" y="1857154"/>
+            <a:ext cx="4203942" cy="2531124"/>
           </a:xfrm>
           <a:prstGeom prst="rect">
             <a:avLst/>
@@ -6378,10 +6378,10 @@
       </p:pic>
       <p:pic>
         <p:nvPicPr>
-          <p:cNvPr id="5" name="Picture 4" descr="A screenshot of a cell phone&#10;&#10;Description automatically generated">
+          <p:cNvPr id="7" name="Picture 6" descr="A screenshot of a cell phone&#10;&#10;Description automatically generated">
             <a:extLst>
               <a:ext uri="{FF2B5EF4-FFF2-40B4-BE49-F238E27FC236}">
-                <a16:creationId xmlns:a16="http://schemas.microsoft.com/office/drawing/2014/main" id="{EB03DD63-CE13-47C0-8910-1FD4AF668AC9}"/>
+                <a16:creationId xmlns:a16="http://schemas.microsoft.com/office/drawing/2014/main" id="{BCB12E2A-CEE2-4768-B165-F4DF193FA314}"/>
               </a:ext>
             </a:extLst>
           </p:cNvPr>
@@ -6391,21 +6391,76 @@
           <p:nvPr/>
         </p:nvPicPr>
         <p:blipFill>
-          <a:blip r:embed="rId4"/>
+          <a:blip r:embed="rId3"/>
           <a:stretch>
             <a:fillRect/>
           </a:stretch>
         </p:blipFill>
         <p:spPr>
           <a:xfrm>
-            <a:off x="4732336" y="1939058"/>
-            <a:ext cx="4318796" cy="2599358"/>
+            <a:off x="4572000" y="1857154"/>
+            <a:ext cx="4203942" cy="2531124"/>
           </a:xfrm>
           <a:prstGeom prst="rect">
             <a:avLst/>
           </a:prstGeom>
         </p:spPr>
       </p:pic>
+      <p:sp>
+        <p:nvSpPr>
+          <p:cNvPr id="9" name="TextBox 8">
+            <a:extLst>
+              <a:ext uri="{FF2B5EF4-FFF2-40B4-BE49-F238E27FC236}">
+                <a16:creationId xmlns:a16="http://schemas.microsoft.com/office/drawing/2014/main" id="{BB23F1F2-7CD8-45E1-9BFC-436D062E5308}"/>
+              </a:ext>
+            </a:extLst>
+          </p:cNvPr>
+          <p:cNvSpPr txBox="1"/>
+          <p:nvPr/>
+        </p:nvSpPr>
+        <p:spPr>
+          <a:xfrm>
+            <a:off x="5752213" y="2467654"/>
+            <a:ext cx="2463209" cy="553998"/>
+          </a:xfrm>
+          <a:prstGeom prst="rect">
+            <a:avLst/>
+          </a:prstGeom>
+          <a:noFill/>
+        </p:spPr>
+        <p:txBody>
+          <a:bodyPr wrap="square" rtlCol="0">
+            <a:spAutoFit/>
+          </a:bodyPr>
+          <a:lstStyle/>
+          <a:p>
+            <a:r>
+              <a:rPr lang="en-US" sz="1000" dirty="0">
+                <a:solidFill>
+                  <a:schemeClr val="bg1"/>
+                </a:solidFill>
+              </a:rPr>
+              <a:t>The </a:t>
+            </a:r>
+            <a:r>
+              <a:rPr lang="en-US" sz="1000" b="1" dirty="0">
+                <a:solidFill>
+                  <a:schemeClr val="bg1"/>
+                </a:solidFill>
+              </a:rPr>
+              <a:t>objective of Slapjack</a:t>
+            </a:r>
+            <a:r>
+              <a:rPr lang="en-US" sz="1000" dirty="0">
+                <a:solidFill>
+                  <a:schemeClr val="bg1"/>
+                </a:solidFill>
+              </a:rPr>
+              <a:t> is to win all of the cards by quickly slapping the deck whenever a Jack is played.</a:t>
+            </a:r>
+          </a:p>
+        </p:txBody>
+      </p:sp>
     </p:spTree>
   </p:cSld>
   <p:clrMapOvr>

--- a/Applications Proposal.pptx
+++ b/Applications Proposal.pptx
@@ -5,7 +5,7 @@
     <p:sldMasterId id="2147483659" r:id="rId1"/>
   </p:sldMasterIdLst>
   <p:notesMasterIdLst>
-    <p:notesMasterId r:id="rId7"/>
+    <p:notesMasterId r:id="rId8"/>
   </p:notesMasterIdLst>
   <p:sldIdLst>
     <p:sldId id="256" r:id="rId2"/>
@@ -13,6 +13,7 @@
     <p:sldId id="258" r:id="rId4"/>
     <p:sldId id="259" r:id="rId5"/>
     <p:sldId id="260" r:id="rId6"/>
+    <p:sldId id="261" r:id="rId7"/>
   </p:sldIdLst>
   <p:sldSz cx="9144000" cy="5143500" type="screen16x9"/>
   <p:notesSz cx="6858000" cy="9144000"/>
@@ -431,6 +432,11 @@
         </p:txBody>
       </p:sp>
     </p:spTree>
+    <p:extLst>
+      <p:ext uri="{BB962C8B-B14F-4D97-AF65-F5344CB8AC3E}">
+        <p14:creationId xmlns:p14="http://schemas.microsoft.com/office/powerpoint/2010/main" val="902352228"/>
+      </p:ext>
+    </p:extLst>
   </p:cSld>
   <p:clrMap bg1="lt1" tx1="dk1" bg2="dk2" tx2="lt2" accent1="accent1" accent2="accent2" accent3="accent3" accent4="accent4" accent5="accent5" accent6="accent6" hlink="hlink" folHlink="folHlink"/>
   <p:notesStyle>
@@ -625,6 +631,11 @@
         </p:txBody>
       </p:sp>
     </p:spTree>
+    <p:extLst>
+      <p:ext uri="{BB962C8B-B14F-4D97-AF65-F5344CB8AC3E}">
+        <p14:creationId xmlns:p14="http://schemas.microsoft.com/office/powerpoint/2010/main" val="4293052328"/>
+      </p:ext>
+    </p:extLst>
   </p:cSld>
   <p:clrMapOvr>
     <a:masterClrMapping/>
@@ -729,6 +740,11 @@
         </p:txBody>
       </p:sp>
     </p:spTree>
+    <p:extLst>
+      <p:ext uri="{BB962C8B-B14F-4D97-AF65-F5344CB8AC3E}">
+        <p14:creationId xmlns:p14="http://schemas.microsoft.com/office/powerpoint/2010/main" val="1782700122"/>
+      </p:ext>
+    </p:extLst>
   </p:cSld>
   <p:clrMapOvr>
     <a:masterClrMapping/>
@@ -833,6 +849,11 @@
         </p:txBody>
       </p:sp>
     </p:spTree>
+    <p:extLst>
+      <p:ext uri="{BB962C8B-B14F-4D97-AF65-F5344CB8AC3E}">
+        <p14:creationId xmlns:p14="http://schemas.microsoft.com/office/powerpoint/2010/main" val="1570773092"/>
+      </p:ext>
+    </p:extLst>
   </p:cSld>
   <p:clrMapOvr>
     <a:masterClrMapping/>
@@ -937,6 +958,11 @@
         </p:txBody>
       </p:sp>
     </p:spTree>
+    <p:extLst>
+      <p:ext uri="{BB962C8B-B14F-4D97-AF65-F5344CB8AC3E}">
+        <p14:creationId xmlns:p14="http://schemas.microsoft.com/office/powerpoint/2010/main" val="1289183521"/>
+      </p:ext>
+    </p:extLst>
   </p:cSld>
   <p:clrMapOvr>
     <a:masterClrMapping/>
@@ -1044,6 +1070,115 @@
     <p:extLst>
       <p:ext uri="{BB962C8B-B14F-4D97-AF65-F5344CB8AC3E}">
         <p14:creationId xmlns:p14="http://schemas.microsoft.com/office/powerpoint/2010/main" val="805943878"/>
+      </p:ext>
+    </p:extLst>
+  </p:cSld>
+  <p:clrMapOvr>
+    <a:masterClrMapping/>
+  </p:clrMapOvr>
+</p:notes>
+</file>
+
+<file path=ppt/notesSlides/notesSlide6.xml><?xml version="1.0" encoding="utf-8"?>
+<p:notes xmlns:a="http://schemas.openxmlformats.org/drawingml/2006/main" xmlns:r="http://schemas.openxmlformats.org/officeDocument/2006/relationships" xmlns:p="http://schemas.openxmlformats.org/presentationml/2006/main" showMasterSp="0" showMasterPhAnim="0">
+  <p:cSld>
+    <p:spTree>
+      <p:nvGrpSpPr>
+        <p:cNvPr id="1" name="Shape 88"/>
+        <p:cNvGrpSpPr/>
+        <p:nvPr/>
+      </p:nvGrpSpPr>
+      <p:grpSpPr>
+        <a:xfrm>
+          <a:off x="0" y="0"/>
+          <a:ext cx="0" cy="0"/>
+          <a:chOff x="0" y="0"/>
+          <a:chExt cx="0" cy="0"/>
+        </a:xfrm>
+      </p:grpSpPr>
+      <p:sp>
+        <p:nvSpPr>
+          <p:cNvPr id="89" name="Shape 89"/>
+          <p:cNvSpPr>
+            <a:spLocks noGrp="1" noRot="1" noChangeAspect="1"/>
+          </p:cNvSpPr>
+          <p:nvPr>
+            <p:ph type="sldImg" idx="2"/>
+          </p:nvPr>
+        </p:nvSpPr>
+        <p:spPr>
+          <a:xfrm>
+            <a:off x="381000" y="685800"/>
+            <a:ext cx="6096000" cy="3429000"/>
+          </a:xfrm>
+          <a:custGeom>
+            <a:avLst/>
+            <a:gdLst/>
+            <a:ahLst/>
+            <a:cxnLst/>
+            <a:rect l="0" t="0" r="0" b="0"/>
+            <a:pathLst>
+              <a:path w="120000" h="120000" extrusionOk="0">
+                <a:moveTo>
+                  <a:pt x="0" y="0"/>
+                </a:moveTo>
+                <a:lnTo>
+                  <a:pt x="120000" y="0"/>
+                </a:lnTo>
+                <a:lnTo>
+                  <a:pt x="120000" y="120000"/>
+                </a:lnTo>
+                <a:lnTo>
+                  <a:pt x="0" y="120000"/>
+                </a:lnTo>
+                <a:close/>
+              </a:path>
+            </a:pathLst>
+          </a:custGeom>
+        </p:spPr>
+      </p:sp>
+      <p:sp>
+        <p:nvSpPr>
+          <p:cNvPr id="90" name="Shape 90"/>
+          <p:cNvSpPr txBox="1">
+            <a:spLocks noGrp="1"/>
+          </p:cNvSpPr>
+          <p:nvPr>
+            <p:ph type="body" idx="1"/>
+          </p:nvPr>
+        </p:nvSpPr>
+        <p:spPr>
+          <a:xfrm>
+            <a:off x="685800" y="4343400"/>
+            <a:ext cx="5486400" cy="4114800"/>
+          </a:xfrm>
+          <a:prstGeom prst="rect">
+            <a:avLst/>
+          </a:prstGeom>
+        </p:spPr>
+        <p:txBody>
+          <a:bodyPr spcFirstLastPara="1" wrap="square" lIns="91425" tIns="91425" rIns="91425" bIns="91425" anchor="t" anchorCtr="0">
+            <a:noAutofit/>
+          </a:bodyPr>
+          <a:lstStyle/>
+          <a:p>
+            <a:pPr marL="0" lvl="0" indent="0" rtl="0">
+              <a:spcBef>
+                <a:spcPts val="0"/>
+              </a:spcBef>
+              <a:spcAft>
+                <a:spcPts val="0"/>
+              </a:spcAft>
+              <a:buNone/>
+            </a:pPr>
+            <a:endParaRPr/>
+          </a:p>
+        </p:txBody>
+      </p:sp>
+    </p:spTree>
+    <p:extLst>
+      <p:ext uri="{BB962C8B-B14F-4D97-AF65-F5344CB8AC3E}">
+        <p14:creationId xmlns:p14="http://schemas.microsoft.com/office/powerpoint/2010/main" val="4222755145"/>
       </p:ext>
     </p:extLst>
   </p:cSld>
@@ -5728,7 +5863,23 @@
             </a:r>
             <a:r>
               <a:rPr lang="en-US" dirty="0"/>
-              <a:t>The Hit Me or Hit Them application is used for entertainment for single players only. The player has the choice of playing one of two card games, Slapjack or War.</a:t>
+              <a:t>The Hit Me or Hit Them application is used for entertainment for single players only. The player has the choice of playing one </a:t>
+            </a:r>
+            <a:r>
+              <a:rPr lang="en-US" dirty="0" smtClean="0"/>
+              <a:t>of four </a:t>
+            </a:r>
+            <a:r>
+              <a:rPr lang="en-US" dirty="0"/>
+              <a:t>card games, </a:t>
+            </a:r>
+            <a:r>
+              <a:rPr lang="en-US" dirty="0" smtClean="0"/>
+              <a:t>Slapjack, Beggar My Neighbor, Poker </a:t>
+            </a:r>
+            <a:r>
+              <a:rPr lang="en-US" dirty="0"/>
+              <a:t>or War.</a:t>
             </a:r>
             <a:endParaRPr dirty="0"/>
           </a:p>
@@ -6112,7 +6263,7 @@
           <p:cNvPr id="2" name="Picture 1">
             <a:extLst>
               <a:ext uri="{FF2B5EF4-FFF2-40B4-BE49-F238E27FC236}">
-                <a16:creationId xmlns:a16="http://schemas.microsoft.com/office/drawing/2014/main" id="{D8D6BB6F-BC70-43AB-87D5-10974237D473}"/>
+                <a16:creationId xmlns:a16="http://schemas.microsoft.com/office/drawing/2014/main" xmlns="" id="{D8D6BB6F-BC70-43AB-87D5-10974237D473}"/>
               </a:ext>
             </a:extLst>
           </p:cNvPr>
@@ -6351,7 +6502,7 @@
           <p:cNvPr id="4" name="Picture 3" descr="A screenshot of a cell phone&#10;&#10;Description automatically generated">
             <a:extLst>
               <a:ext uri="{FF2B5EF4-FFF2-40B4-BE49-F238E27FC236}">
-                <a16:creationId xmlns:a16="http://schemas.microsoft.com/office/drawing/2014/main" id="{EBFDA3A1-C9F6-475C-AA9E-5E93005E2DF4}"/>
+                <a16:creationId xmlns:a16="http://schemas.microsoft.com/office/drawing/2014/main" xmlns="" id="{EBFDA3A1-C9F6-475C-AA9E-5E93005E2DF4}"/>
               </a:ext>
             </a:extLst>
           </p:cNvPr>
@@ -6381,7 +6532,7 @@
           <p:cNvPr id="7" name="Picture 6" descr="A screenshot of a cell phone&#10;&#10;Description automatically generated">
             <a:extLst>
               <a:ext uri="{FF2B5EF4-FFF2-40B4-BE49-F238E27FC236}">
-                <a16:creationId xmlns:a16="http://schemas.microsoft.com/office/drawing/2014/main" id="{BCB12E2A-CEE2-4768-B165-F4DF193FA314}"/>
+                <a16:creationId xmlns:a16="http://schemas.microsoft.com/office/drawing/2014/main" xmlns="" id="{BCB12E2A-CEE2-4768-B165-F4DF193FA314}"/>
               </a:ext>
             </a:extLst>
           </p:cNvPr>
@@ -6411,7 +6562,7 @@
           <p:cNvPr id="9" name="TextBox 8">
             <a:extLst>
               <a:ext uri="{FF2B5EF4-FFF2-40B4-BE49-F238E27FC236}">
-                <a16:creationId xmlns:a16="http://schemas.microsoft.com/office/drawing/2014/main" id="{BB23F1F2-7CD8-45E1-9BFC-436D062E5308}"/>
+                <a16:creationId xmlns:a16="http://schemas.microsoft.com/office/drawing/2014/main" xmlns="" id="{BB23F1F2-7CD8-45E1-9BFC-436D062E5308}"/>
               </a:ext>
             </a:extLst>
           </p:cNvPr>
@@ -6675,7 +6826,7 @@
           <p:cNvPr id="4" name="Picture 3" descr="A screenshot of a cell phone&#10;&#10;Description automatically generated">
             <a:extLst>
               <a:ext uri="{FF2B5EF4-FFF2-40B4-BE49-F238E27FC236}">
-                <a16:creationId xmlns:a16="http://schemas.microsoft.com/office/drawing/2014/main" id="{C93F3D5E-FB8B-4007-8B37-2B6CDFCBCF04}"/>
+                <a16:creationId xmlns:a16="http://schemas.microsoft.com/office/drawing/2014/main" xmlns="" id="{C93F3D5E-FB8B-4007-8B37-2B6CDFCBCF04}"/>
               </a:ext>
             </a:extLst>
           </p:cNvPr>
@@ -6705,7 +6856,7 @@
           <p:cNvPr id="7" name="Picture 6" descr="A screenshot of a cell phone&#10;&#10;Description automatically generated">
             <a:extLst>
               <a:ext uri="{FF2B5EF4-FFF2-40B4-BE49-F238E27FC236}">
-                <a16:creationId xmlns:a16="http://schemas.microsoft.com/office/drawing/2014/main" id="{C0FC98AF-49A4-4005-9472-EEA6BC73DAB7}"/>
+                <a16:creationId xmlns:a16="http://schemas.microsoft.com/office/drawing/2014/main" xmlns="" id="{C0FC98AF-49A4-4005-9472-EEA6BC73DAB7}"/>
               </a:ext>
             </a:extLst>
           </p:cNvPr>
@@ -6734,6 +6885,288 @@
     <p:extLst>
       <p:ext uri="{BB962C8B-B14F-4D97-AF65-F5344CB8AC3E}">
         <p14:creationId xmlns:p14="http://schemas.microsoft.com/office/powerpoint/2010/main" val="1156530784"/>
+      </p:ext>
+    </p:extLst>
+  </p:cSld>
+  <p:clrMapOvr>
+    <a:masterClrMapping/>
+  </p:clrMapOvr>
+</p:sld>
+</file>
+
+<file path=ppt/slides/slide6.xml><?xml version="1.0" encoding="utf-8"?>
+<p:sld xmlns:a="http://schemas.openxmlformats.org/drawingml/2006/main" xmlns:r="http://schemas.openxmlformats.org/officeDocument/2006/relationships" xmlns:p="http://schemas.openxmlformats.org/presentationml/2006/main">
+  <p:cSld>
+    <p:spTree>
+      <p:nvGrpSpPr>
+        <p:cNvPr id="1" name="Shape 91"/>
+        <p:cNvGrpSpPr/>
+        <p:nvPr/>
+      </p:nvGrpSpPr>
+      <p:grpSpPr>
+        <a:xfrm>
+          <a:off x="0" y="0"/>
+          <a:ext cx="0" cy="0"/>
+          <a:chOff x="0" y="0"/>
+          <a:chExt cx="0" cy="0"/>
+        </a:xfrm>
+      </p:grpSpPr>
+      <p:sp>
+        <p:nvSpPr>
+          <p:cNvPr id="92" name="Shape 92"/>
+          <p:cNvSpPr txBox="1">
+            <a:spLocks noGrp="1"/>
+          </p:cNvSpPr>
+          <p:nvPr>
+            <p:ph type="title"/>
+          </p:nvPr>
+        </p:nvSpPr>
+        <p:spPr>
+          <a:xfrm>
+            <a:off x="311700" y="445025"/>
+            <a:ext cx="8520600" cy="572700"/>
+          </a:xfrm>
+          <a:prstGeom prst="rect">
+            <a:avLst/>
+          </a:prstGeom>
+        </p:spPr>
+        <p:txBody>
+          <a:bodyPr spcFirstLastPara="1" wrap="square" lIns="91425" tIns="91425" rIns="91425" bIns="91425" anchor="t" anchorCtr="0">
+            <a:noAutofit/>
+          </a:bodyPr>
+          <a:lstStyle/>
+          <a:p>
+            <a:pPr marL="0" lvl="0" indent="0" rtl="0">
+              <a:spcBef>
+                <a:spcPts val="0"/>
+              </a:spcBef>
+              <a:spcAft>
+                <a:spcPts val="0"/>
+              </a:spcAft>
+              <a:buNone/>
+            </a:pPr>
+            <a:r>
+              <a:rPr lang="en"/>
+              <a:t>User Interface Design</a:t>
+            </a:r>
+            <a:endParaRPr/>
+          </a:p>
+        </p:txBody>
+      </p:sp>
+      <p:sp>
+        <p:nvSpPr>
+          <p:cNvPr id="93" name="Shape 93"/>
+          <p:cNvSpPr txBox="1">
+            <a:spLocks noGrp="1"/>
+          </p:cNvSpPr>
+          <p:nvPr>
+            <p:ph type="body" idx="1"/>
+          </p:nvPr>
+        </p:nvSpPr>
+        <p:spPr>
+          <a:xfrm>
+            <a:off x="311700" y="1152475"/>
+            <a:ext cx="8520600" cy="453300"/>
+          </a:xfrm>
+          <a:prstGeom prst="rect">
+            <a:avLst/>
+          </a:prstGeom>
+        </p:spPr>
+        <p:txBody>
+          <a:bodyPr spcFirstLastPara="1" wrap="square" lIns="91425" tIns="91425" rIns="91425" bIns="91425" anchor="t" anchorCtr="0">
+            <a:noAutofit/>
+          </a:bodyPr>
+          <a:lstStyle/>
+          <a:p>
+            <a:pPr marL="0" lvl="0" indent="0" rtl="0">
+              <a:spcBef>
+                <a:spcPts val="0"/>
+              </a:spcBef>
+              <a:spcAft>
+                <a:spcPts val="1600"/>
+              </a:spcAft>
+              <a:buNone/>
+            </a:pPr>
+            <a:r>
+              <a:rPr lang="en-US" sz="1200" dirty="0" smtClean="0"/>
+              <a:t>Beggar </a:t>
+            </a:r>
+            <a:r>
+              <a:rPr lang="en-US" sz="1200" dirty="0" smtClean="0"/>
+              <a:t>My Neighbor </a:t>
+            </a:r>
+            <a:r>
+              <a:rPr lang="en-US" sz="1200" dirty="0" smtClean="0"/>
+              <a:t>GUI</a:t>
+            </a:r>
+            <a:endParaRPr sz="1200" dirty="0"/>
+          </a:p>
+        </p:txBody>
+      </p:sp>
+      <p:sp>
+        <p:nvSpPr>
+          <p:cNvPr id="94" name="Shape 94"/>
+          <p:cNvSpPr txBox="1"/>
+          <p:nvPr/>
+        </p:nvSpPr>
+        <p:spPr>
+          <a:xfrm>
+            <a:off x="6358200" y="4871700"/>
+            <a:ext cx="2785800" cy="271800"/>
+          </a:xfrm>
+          <a:prstGeom prst="rect">
+            <a:avLst/>
+          </a:prstGeom>
+          <a:noFill/>
+          <a:ln>
+            <a:noFill/>
+          </a:ln>
+        </p:spPr>
+        <p:txBody>
+          <a:bodyPr spcFirstLastPara="1" wrap="square" lIns="91425" tIns="91425" rIns="91425" bIns="91425" anchor="t" anchorCtr="0">
+            <a:noAutofit/>
+          </a:bodyPr>
+          <a:lstStyle/>
+          <a:p>
+            <a:pPr marL="0" lvl="0" indent="0" algn="r" rtl="0">
+              <a:spcBef>
+                <a:spcPts val="0"/>
+              </a:spcBef>
+              <a:spcAft>
+                <a:spcPts val="0"/>
+              </a:spcAft>
+              <a:buNone/>
+            </a:pPr>
+            <a:r>
+              <a:rPr lang="en-US" dirty="0">
+                <a:solidFill>
+                  <a:srgbClr val="B7B7B7"/>
+                </a:solidFill>
+              </a:rPr>
+              <a:t>MTM – Hit Me or Hit Them</a:t>
+            </a:r>
+            <a:endParaRPr dirty="0">
+              <a:solidFill>
+                <a:srgbClr val="B7B7B7"/>
+              </a:solidFill>
+            </a:endParaRPr>
+          </a:p>
+        </p:txBody>
+      </p:sp>
+      <p:sp>
+        <p:nvSpPr>
+          <p:cNvPr id="95" name="Shape 95"/>
+          <p:cNvSpPr txBox="1"/>
+          <p:nvPr/>
+        </p:nvSpPr>
+        <p:spPr>
+          <a:xfrm>
+            <a:off x="0" y="4871700"/>
+            <a:ext cx="2785800" cy="271800"/>
+          </a:xfrm>
+          <a:prstGeom prst="rect">
+            <a:avLst/>
+          </a:prstGeom>
+          <a:noFill/>
+          <a:ln>
+            <a:noFill/>
+          </a:ln>
+        </p:spPr>
+        <p:txBody>
+          <a:bodyPr spcFirstLastPara="1" wrap="square" lIns="91425" tIns="91425" rIns="91425" bIns="91425" anchor="t" anchorCtr="0">
+            <a:noAutofit/>
+          </a:bodyPr>
+          <a:lstStyle/>
+          <a:p>
+            <a:pPr marL="0" lvl="0" indent="0" rtl="0">
+              <a:spcBef>
+                <a:spcPts val="0"/>
+              </a:spcBef>
+              <a:spcAft>
+                <a:spcPts val="0"/>
+              </a:spcAft>
+              <a:buNone/>
+            </a:pPr>
+            <a:r>
+              <a:rPr lang="en" dirty="0">
+                <a:solidFill>
+                  <a:srgbClr val="B7B7B7"/>
+                </a:solidFill>
+              </a:rPr>
+              <a:t>UTSA CS 3443 - 003</a:t>
+            </a:r>
+            <a:endParaRPr dirty="0">
+              <a:solidFill>
+                <a:srgbClr val="B7B7B7"/>
+              </a:solidFill>
+            </a:endParaRPr>
+          </a:p>
+        </p:txBody>
+      </p:sp>
+      <p:pic>
+        <p:nvPicPr>
+          <p:cNvPr id="2" name="Picture 1"/>
+          <p:cNvPicPr>
+            <a:picLocks noChangeAspect="1"/>
+          </p:cNvPicPr>
+          <p:nvPr/>
+        </p:nvPicPr>
+        <p:blipFill>
+          <a:blip r:embed="rId3">
+            <a:extLst>
+              <a:ext uri="{28A0092B-C50C-407E-A947-70E740481C1C}">
+                <a14:useLocalDpi xmlns:a14="http://schemas.microsoft.com/office/drawing/2010/main" val="0"/>
+              </a:ext>
+            </a:extLst>
+          </a:blip>
+          <a:stretch>
+            <a:fillRect/>
+          </a:stretch>
+        </p:blipFill>
+        <p:spPr>
+          <a:xfrm>
+            <a:off x="311700" y="1939058"/>
+            <a:ext cx="4305510" cy="2436098"/>
+          </a:xfrm>
+          <a:prstGeom prst="rect">
+            <a:avLst/>
+          </a:prstGeom>
+        </p:spPr>
+      </p:pic>
+      <p:pic>
+        <p:nvPicPr>
+          <p:cNvPr id="3" name="Picture 2"/>
+          <p:cNvPicPr>
+            <a:picLocks noChangeAspect="1"/>
+          </p:cNvPicPr>
+          <p:nvPr/>
+        </p:nvPicPr>
+        <p:blipFill>
+          <a:blip r:embed="rId4">
+            <a:extLst>
+              <a:ext uri="{28A0092B-C50C-407E-A947-70E740481C1C}">
+                <a14:useLocalDpi xmlns:a14="http://schemas.microsoft.com/office/drawing/2010/main" val="0"/>
+              </a:ext>
+            </a:extLst>
+          </a:blip>
+          <a:stretch>
+            <a:fillRect/>
+          </a:stretch>
+        </p:blipFill>
+        <p:spPr>
+          <a:xfrm>
+            <a:off x="5630834" y="1323329"/>
+            <a:ext cx="2774669" cy="3242767"/>
+          </a:xfrm>
+          <a:prstGeom prst="rect">
+            <a:avLst/>
+          </a:prstGeom>
+        </p:spPr>
+      </p:pic>
+    </p:spTree>
+    <p:extLst>
+      <p:ext uri="{BB962C8B-B14F-4D97-AF65-F5344CB8AC3E}">
+        <p14:creationId xmlns:p14="http://schemas.microsoft.com/office/powerpoint/2010/main" val="996003770"/>
       </p:ext>
     </p:extLst>
   </p:cSld>
